--- a/PLimpieza de datos.pptx
+++ b/PLimpieza de datos.pptx
@@ -289,7 +289,7 @@
       <p15:sldGuideLst xmlns:p15="http://schemas.microsoft.com/office/powerpoint/2012/main"/>
     </p:ext>
     <p:ext uri="GoogleSlidesCustomDataVersion2">
-      <go:slidesCustomData xmlns:go="http://customooxmlschemas.google.com/" xmlns:ahyp="http://schemas.microsoft.com/office/drawing/2018/hyperlinkcolor" xmlns:p15="http://schemas.microsoft.com/office/powerpoint/2012/main" xmlns:p14="http://schemas.microsoft.com/office/powerpoint/2010/main" xmlns:com="http://schemas.openxmlformats.org/drawingml/2006/compatibility" xmlns:pvml="urn:schemas-microsoft-com:office:powerpoint" xmlns:v="urn:schemas-microsoft-com:vml" xmlns:o="urn:schemas-microsoft-com:office:office" xmlns:dgm="http://schemas.openxmlformats.org/drawingml/2006/diagram" xmlns:c="http://schemas.openxmlformats.org/drawingml/2006/chart" xmlns:mv="urn:schemas-microsoft-com:mac:vml" xmlns:mc="http://schemas.openxmlformats.org/markup-compatibility/2006" xmlns="" r:id="rId46" roundtripDataSignature="AMtx7mh4DYsuONDA2gV79eXEFcnhuHdbNA=="/>
+      <go:slidesCustomData xmlns="" xmlns:mc="http://schemas.openxmlformats.org/markup-compatibility/2006" xmlns:mv="urn:schemas-microsoft-com:mac:vml" xmlns:c="http://schemas.openxmlformats.org/drawingml/2006/chart" xmlns:dgm="http://schemas.openxmlformats.org/drawingml/2006/diagram" xmlns:o="urn:schemas-microsoft-com:office:office" xmlns:v="urn:schemas-microsoft-com:vml" xmlns:pvml="urn:schemas-microsoft-com:office:powerpoint" xmlns:com="http://schemas.openxmlformats.org/drawingml/2006/compatibility" xmlns:p14="http://schemas.microsoft.com/office/powerpoint/2010/main" xmlns:p15="http://schemas.microsoft.com/office/powerpoint/2012/main" xmlns:ahyp="http://schemas.microsoft.com/office/drawing/2018/hyperlinkcolor" xmlns:go="http://customooxmlschemas.google.com/" r:id="rId46" roundtripDataSignature="AMtx7mh4DYsuONDA2gV79eXEFcnhuHdbNA=="/>
     </p:ext>
   </p:extLst>
 </p:presentation>
@@ -2511,7 +2511,7 @@
               </a:spcAft>
               <a:buNone/>
             </a:pPr>
-            <a:endParaRPr/>
+            <a:endParaRPr dirty="0"/>
           </a:p>
         </p:txBody>
       </p:sp>
@@ -16418,8 +16418,8 @@
         </p:nvSpPr>
         <p:spPr>
           <a:xfrm>
-            <a:off x="456236" y="457723"/>
-            <a:ext cx="10515600" cy="676598"/>
+            <a:off x="456236" y="57241"/>
+            <a:ext cx="10515600" cy="1077080"/>
           </a:xfrm>
           <a:prstGeom prst="rect">
             <a:avLst/>
@@ -16435,7 +16435,7 @@
           </a:bodyPr>
           <a:lstStyle/>
           <a:p>
-            <a:pPr marL="0" marR="0" lvl="0" indent="0" algn="l" rtl="0">
+            <a:pPr marL="0" marR="0" lvl="0" indent="0" algn="ctr" rtl="0">
               <a:spcBef>
                 <a:spcPts val="0"/>
               </a:spcBef>
@@ -16454,7 +16454,7 @@
                 <a:cs typeface="Work Sans"/>
                 <a:sym typeface="Work Sans"/>
               </a:rPr>
-              <a:t>Fundamentos Tecnologías Emergentes con Python</a:t>
+              <a:t>Creación de dimensión DM_ESTADO y aplica limpieza de datos con Python</a:t>
             </a:r>
           </a:p>
         </p:txBody>
@@ -17064,7 +17064,7 @@
           <a:p>
             <a:pPr algn="ctr"/>
             <a:r>
-              <a:rPr lang="es-ES" dirty="0">
+              <a:rPr lang="es-ES">
                 <a:effectLst>
                   <a:outerShdw blurRad="38100" dist="38100" dir="2700000" algn="tl">
                     <a:srgbClr val="000000">
@@ -17073,9 +17073,9 @@
                   </a:outerShdw>
                 </a:effectLst>
               </a:rPr>
-              <a:t>Crear un auto incremental DM</a:t>
+              <a:t>Renombrar columnas en DM</a:t>
             </a:r>
-            <a:endParaRPr lang="es-CO" dirty="0">
+            <a:endParaRPr lang="es-ES" dirty="0">
               <a:effectLst>
                 <a:outerShdw blurRad="38100" dist="38100" dir="2700000" algn="tl">
                   <a:srgbClr val="000000">
@@ -17142,7 +17142,7 @@
                   </a:outerShdw>
                 </a:effectLst>
               </a:rPr>
-              <a:t>Hay campos vacíos en la dimensión DM</a:t>
+              <a:t>Hay campos vacíos</a:t>
             </a:r>
             <a:endParaRPr lang="es-CO" sz="1200" b="1" dirty="0">
               <a:effectLst>
@@ -17545,8 +17545,20 @@
                   </a:outerShdw>
                 </a:effectLst>
               </a:rPr>
-              <a:t>Renombrar columnas en DM</a:t>
+              <a:t>Crear un auto incremental DM</a:t>
             </a:r>
+            <a:endParaRPr lang="es-CO" dirty="0">
+              <a:effectLst>
+                <a:outerShdw blurRad="38100" dist="38100" dir="2700000" algn="tl">
+                  <a:srgbClr val="000000">
+                    <a:alpha val="43137"/>
+                  </a:srgbClr>
+                </a:outerShdw>
+              </a:effectLst>
+            </a:endParaRPr>
+          </a:p>
+          <a:p>
+            <a:pPr algn="ctr"/>
             <a:endParaRPr lang="es-CO" dirty="0">
               <a:effectLst>
                 <a:outerShdw blurRad="38100" dist="38100" dir="2700000" algn="tl">
@@ -19037,7 +19049,7 @@
         <p:spPr>
           <a:xfrm>
             <a:off x="2886509" y="6165226"/>
-            <a:ext cx="3074722" cy="276999"/>
+            <a:ext cx="3377812" cy="276999"/>
           </a:xfrm>
           <a:prstGeom prst="rect">
             <a:avLst/>
@@ -19051,6 +19063,18 @@
           <a:lstStyle/>
           <a:p>
             <a:r>
+              <a:rPr lang="es-CO" sz="1200" b="1" dirty="0">
+                <a:effectLst>
+                  <a:outerShdw blurRad="38100" dist="38100" dir="2700000" algn="tl">
+                    <a:srgbClr val="000000">
+                      <a:alpha val="43137"/>
+                    </a:srgbClr>
+                  </a:outerShdw>
+                </a:effectLst>
+              </a:rPr>
+              <a:t>data[‘ESTADO’].</a:t>
+            </a:r>
+            <a:r>
               <a:rPr lang="es-CO" sz="1200" b="1" dirty="0" err="1">
                 <a:effectLst>
                   <a:outerShdw blurRad="38100" dist="38100" dir="2700000" algn="tl">
@@ -19060,7 +19084,7 @@
                   </a:outerShdw>
                 </a:effectLst>
               </a:rPr>
-              <a:t>DM_ESTADO.fillna</a:t>
+              <a:t>fillna</a:t>
             </a:r>
             <a:r>
               <a:rPr lang="es-CO" sz="1200" b="1" dirty="0">
@@ -19115,7 +19139,7 @@
         </p:nvSpPr>
         <p:spPr>
           <a:xfrm>
-            <a:off x="9426058" y="5808694"/>
+            <a:off x="9530037" y="3006885"/>
             <a:ext cx="2179087" cy="646331"/>
           </a:xfrm>
           <a:prstGeom prst="rect">
@@ -19432,7 +19456,7 @@
         </p:nvSpPr>
         <p:spPr>
           <a:xfrm>
-            <a:off x="9530037" y="3024538"/>
+            <a:off x="9572521" y="5883700"/>
             <a:ext cx="2311536" cy="646331"/>
           </a:xfrm>
           <a:prstGeom prst="rect">

--- a/PLimpieza de datos.pptx
+++ b/PLimpieza de datos.pptx
@@ -289,7 +289,7 @@
       <p15:sldGuideLst xmlns:p15="http://schemas.microsoft.com/office/powerpoint/2012/main"/>
     </p:ext>
     <p:ext uri="GoogleSlidesCustomDataVersion2">
-      <go:slidesCustomData xmlns="" xmlns:mc="http://schemas.openxmlformats.org/markup-compatibility/2006" xmlns:mv="urn:schemas-microsoft-com:mac:vml" xmlns:c="http://schemas.openxmlformats.org/drawingml/2006/chart" xmlns:dgm="http://schemas.openxmlformats.org/drawingml/2006/diagram" xmlns:o="urn:schemas-microsoft-com:office:office" xmlns:v="urn:schemas-microsoft-com:vml" xmlns:pvml="urn:schemas-microsoft-com:office:powerpoint" xmlns:com="http://schemas.openxmlformats.org/drawingml/2006/compatibility" xmlns:p14="http://schemas.microsoft.com/office/powerpoint/2010/main" xmlns:p15="http://schemas.microsoft.com/office/powerpoint/2012/main" xmlns:ahyp="http://schemas.microsoft.com/office/drawing/2018/hyperlinkcolor" xmlns:go="http://customooxmlschemas.google.com/" r:id="rId46" roundtripDataSignature="AMtx7mh4DYsuONDA2gV79eXEFcnhuHdbNA=="/>
+      <go:slidesCustomData xmlns:go="http://customooxmlschemas.google.com/" xmlns:ahyp="http://schemas.microsoft.com/office/drawing/2018/hyperlinkcolor" xmlns:p15="http://schemas.microsoft.com/office/powerpoint/2012/main" xmlns:p14="http://schemas.microsoft.com/office/powerpoint/2010/main" xmlns:com="http://schemas.openxmlformats.org/drawingml/2006/compatibility" xmlns:pvml="urn:schemas-microsoft-com:office:powerpoint" xmlns:v="urn:schemas-microsoft-com:vml" xmlns:o="urn:schemas-microsoft-com:office:office" xmlns:dgm="http://schemas.openxmlformats.org/drawingml/2006/diagram" xmlns:c="http://schemas.openxmlformats.org/drawingml/2006/chart" xmlns:mv="urn:schemas-microsoft-com:mac:vml" xmlns:mc="http://schemas.openxmlformats.org/markup-compatibility/2006" xmlns="" r:id="rId46" roundtripDataSignature="AMtx7mh4DYsuONDA2gV79eXEFcnhuHdbNA=="/>
     </p:ext>
   </p:extLst>
 </p:presentation>
@@ -18948,7 +18948,7 @@
                   </a:outerShdw>
                 </a:effectLst>
               </a:rPr>
-              <a:t>"c:/Borrar/COVID19.csv",low_memory=False)</a:t>
+              <a:t>"COVID19-JULIO2020.csv",low_memory=False)</a:t>
             </a:r>
           </a:p>
         </p:txBody>
@@ -19678,7 +19678,7 @@
                   </a:outerShdw>
                 </a:effectLst>
               </a:rPr>
-              <a:t>“c:/Borrar/DM_ESTADO.csv”)</a:t>
+              <a:t>“DM_ESTADO.csv”)</a:t>
             </a:r>
           </a:p>
         </p:txBody>
